--- a/siva nm project.pptx
+++ b/siva nm project.pptx
@@ -116,7 +116,136 @@
       </a:defRPr>
     </a:lvl9pPr>
   </p:defaultTextStyle>
+  <p:extLst>
+    <p:ext uri="{EFAFB233-063F-42B5-8137-9DF3F51BA10A}">
+      <p15:sldGuideLst xmlns:p15="http://schemas.microsoft.com/office/powerpoint/2012/main">
+        <p15:guide id="1" orient="horz" pos="2160">
+          <p15:clr>
+            <a:srgbClr val="A4A3A4"/>
+          </p15:clr>
+        </p15:guide>
+        <p15:guide id="2" pos="3840">
+          <p15:clr>
+            <a:srgbClr val="A4A3A4"/>
+          </p15:clr>
+        </p15:guide>
+      </p15:sldGuideLst>
+    </p:ext>
+  </p:extLst>
 </p:presentation>
+</file>
+
+<file path=ppt/changesInfos/changesInfo1.xml><?xml version="1.0" encoding="utf-8"?>
+<pc:chgInfo xmlns:a="http://schemas.openxmlformats.org/drawingml/2006/main" xmlns:r="http://schemas.openxmlformats.org/officeDocument/2006/relationships" xmlns:ac="http://schemas.microsoft.com/office/drawing/2013/main/command" xmlns:pc="http://schemas.microsoft.com/office/powerpoint/2013/main/command">
+  <pc:docChgLst>
+    <pc:chgData name="Venotha priyaa" userId="4af2c843d3fcd296" providerId="LiveId" clId="{C4214EFC-4A78-4471-9134-B91339C2A547}"/>
+    <pc:docChg chg="modSld">
+      <pc:chgData name="Venotha priyaa" userId="4af2c843d3fcd296" providerId="LiveId" clId="{C4214EFC-4A78-4471-9134-B91339C2A547}" dt="2024-05-03T08:39:40.636" v="47" actId="1076"/>
+      <pc:docMkLst>
+        <pc:docMk/>
+      </pc:docMkLst>
+      <pc:sldChg chg="modSp mod">
+        <pc:chgData name="Venotha priyaa" userId="4af2c843d3fcd296" providerId="LiveId" clId="{C4214EFC-4A78-4471-9134-B91339C2A547}" dt="2024-05-03T08:36:01.051" v="2" actId="1076"/>
+        <pc:sldMkLst>
+          <pc:docMk/>
+          <pc:sldMk cId="0" sldId="256"/>
+        </pc:sldMkLst>
+        <pc:spChg chg="mod">
+          <ac:chgData name="Venotha priyaa" userId="4af2c843d3fcd296" providerId="LiveId" clId="{C4214EFC-4A78-4471-9134-B91339C2A547}" dt="2024-05-03T08:36:01.051" v="2" actId="1076"/>
+          <ac:spMkLst>
+            <pc:docMk/>
+            <pc:sldMk cId="0" sldId="256"/>
+            <ac:spMk id="56" creationId="{00000000-0000-0000-0000-000000000000}"/>
+          </ac:spMkLst>
+        </pc:spChg>
+      </pc:sldChg>
+      <pc:sldChg chg="modSp mod">
+        <pc:chgData name="Venotha priyaa" userId="4af2c843d3fcd296" providerId="LiveId" clId="{C4214EFC-4A78-4471-9134-B91339C2A547}" dt="2024-05-03T08:37:58.007" v="32" actId="20577"/>
+        <pc:sldMkLst>
+          <pc:docMk/>
+          <pc:sldMk cId="0" sldId="259"/>
+        </pc:sldMkLst>
+        <pc:spChg chg="mod">
+          <ac:chgData name="Venotha priyaa" userId="4af2c843d3fcd296" providerId="LiveId" clId="{C4214EFC-4A78-4471-9134-B91339C2A547}" dt="2024-05-03T08:37:58.007" v="32" actId="20577"/>
+          <ac:spMkLst>
+            <pc:docMk/>
+            <pc:sldMk cId="0" sldId="259"/>
+            <ac:spMk id="116" creationId="{00000000-0000-0000-0000-000000000000}"/>
+          </ac:spMkLst>
+        </pc:spChg>
+      </pc:sldChg>
+      <pc:sldChg chg="modSp mod">
+        <pc:chgData name="Venotha priyaa" userId="4af2c843d3fcd296" providerId="LiveId" clId="{C4214EFC-4A78-4471-9134-B91339C2A547}" dt="2024-05-03T08:37:14.294" v="11" actId="1076"/>
+        <pc:sldMkLst>
+          <pc:docMk/>
+          <pc:sldMk cId="0" sldId="260"/>
+        </pc:sldMkLst>
+        <pc:spChg chg="mod">
+          <ac:chgData name="Venotha priyaa" userId="4af2c843d3fcd296" providerId="LiveId" clId="{C4214EFC-4A78-4471-9134-B91339C2A547}" dt="2024-05-03T08:37:14.294" v="11" actId="1076"/>
+          <ac:spMkLst>
+            <pc:docMk/>
+            <pc:sldMk cId="0" sldId="260"/>
+            <ac:spMk id="117" creationId="{00000000-0000-0000-0000-000000000000}"/>
+          </ac:spMkLst>
+        </pc:spChg>
+        <pc:spChg chg="mod">
+          <ac:chgData name="Venotha priyaa" userId="4af2c843d3fcd296" providerId="LiveId" clId="{C4214EFC-4A78-4471-9134-B91339C2A547}" dt="2024-05-03T08:36:28.468" v="4" actId="20577"/>
+          <ac:spMkLst>
+            <pc:docMk/>
+            <pc:sldMk cId="0" sldId="260"/>
+            <ac:spMk id="122" creationId="{00000000-0000-0000-0000-000000000000}"/>
+          </ac:spMkLst>
+        </pc:spChg>
+        <pc:picChg chg="mod">
+          <ac:chgData name="Venotha priyaa" userId="4af2c843d3fcd296" providerId="LiveId" clId="{C4214EFC-4A78-4471-9134-B91339C2A547}" dt="2024-05-03T08:36:33.830" v="5" actId="14100"/>
+          <ac:picMkLst>
+            <pc:docMk/>
+            <pc:sldMk cId="0" sldId="260"/>
+            <ac:picMk id="131" creationId="{00000000-0000-0000-0000-000000000000}"/>
+          </ac:picMkLst>
+        </pc:picChg>
+      </pc:sldChg>
+      <pc:sldChg chg="modSp mod">
+        <pc:chgData name="Venotha priyaa" userId="4af2c843d3fcd296" providerId="LiveId" clId="{C4214EFC-4A78-4471-9134-B91339C2A547}" dt="2024-05-03T08:38:34.685" v="36" actId="1076"/>
+        <pc:sldMkLst>
+          <pc:docMk/>
+          <pc:sldMk cId="0" sldId="262"/>
+        </pc:sldMkLst>
+        <pc:spChg chg="mod">
+          <ac:chgData name="Venotha priyaa" userId="4af2c843d3fcd296" providerId="LiveId" clId="{C4214EFC-4A78-4471-9134-B91339C2A547}" dt="2024-05-03T08:38:34.685" v="36" actId="1076"/>
+          <ac:spMkLst>
+            <pc:docMk/>
+            <pc:sldMk cId="0" sldId="262"/>
+            <ac:spMk id="167" creationId="{00000000-0000-0000-0000-000000000000}"/>
+          </ac:spMkLst>
+        </pc:spChg>
+        <pc:picChg chg="mod">
+          <ac:chgData name="Venotha priyaa" userId="4af2c843d3fcd296" providerId="LiveId" clId="{C4214EFC-4A78-4471-9134-B91339C2A547}" dt="2024-05-03T08:38:26.920" v="35" actId="1076"/>
+          <ac:picMkLst>
+            <pc:docMk/>
+            <pc:sldMk cId="0" sldId="262"/>
+            <ac:picMk id="163" creationId="{00000000-0000-0000-0000-000000000000}"/>
+          </ac:picMkLst>
+        </pc:picChg>
+      </pc:sldChg>
+      <pc:sldChg chg="modSp mod">
+        <pc:chgData name="Venotha priyaa" userId="4af2c843d3fcd296" providerId="LiveId" clId="{C4214EFC-4A78-4471-9134-B91339C2A547}" dt="2024-05-03T08:39:40.636" v="47" actId="1076"/>
+        <pc:sldMkLst>
+          <pc:docMk/>
+          <pc:sldMk cId="0" sldId="264"/>
+        </pc:sldMkLst>
+        <pc:spChg chg="mod">
+          <ac:chgData name="Venotha priyaa" userId="4af2c843d3fcd296" providerId="LiveId" clId="{C4214EFC-4A78-4471-9134-B91339C2A547}" dt="2024-05-03T08:39:40.636" v="47" actId="1076"/>
+          <ac:spMkLst>
+            <pc:docMk/>
+            <pc:sldMk cId="0" sldId="264"/>
+            <ac:spMk id="2" creationId="{00000000-0000-0000-0000-000000000000}"/>
+          </ac:spMkLst>
+        </pc:spChg>
+      </pc:sldChg>
+    </pc:docChg>
+  </pc:docChgLst>
+</pc:chgInfo>
 </file>
 
 <file path=ppt/notesMasters/notesMaster1.xml><?xml version="1.0" encoding="utf-8"?>
@@ -202,7 +331,7 @@
             <a:fld id="{E7CCFA44-7155-4A31-8487-9FCCB736FE97}" type="datetimeFigureOut">
               <a:rPr lang="en-IN" smtClean="0"/>
               <a:pPr/>
-              <a:t>05-04-2024</a:t>
+              <a:t>03-05-2024</a:t>
             </a:fld>
             <a:endParaRPr lang="en-IN"/>
           </a:p>
@@ -266,35 +395,35 @@
           <a:p>
             <a:pPr lvl="0"/>
             <a:r>
-              <a:rPr lang="en-US" smtClean="0"/>
+              <a:rPr lang="en-US"/>
               <a:t>Click to edit Master text styles</a:t>
             </a:r>
           </a:p>
           <a:p>
             <a:pPr lvl="1"/>
             <a:r>
-              <a:rPr lang="en-US" smtClean="0"/>
+              <a:rPr lang="en-US"/>
               <a:t>Second level</a:t>
             </a:r>
           </a:p>
           <a:p>
             <a:pPr lvl="2"/>
             <a:r>
-              <a:rPr lang="en-US" smtClean="0"/>
+              <a:rPr lang="en-US"/>
               <a:t>Third level</a:t>
             </a:r>
           </a:p>
           <a:p>
             <a:pPr lvl="3"/>
             <a:r>
-              <a:rPr lang="en-US" smtClean="0"/>
+              <a:rPr lang="en-US"/>
               <a:t>Fourth level</a:t>
             </a:r>
           </a:p>
           <a:p>
             <a:pPr lvl="4"/>
             <a:r>
-              <a:rPr lang="en-US" smtClean="0"/>
+              <a:rPr lang="en-US"/>
               <a:t>Fifth level</a:t>
             </a:r>
             <a:endParaRPr lang="en-IN"/>
@@ -3690,8 +3819,8 @@
         </p:nvSpPr>
         <p:spPr>
           <a:xfrm>
-            <a:off x="409680" y="1710000"/>
-            <a:ext cx="11380320" cy="4073040"/>
+            <a:off x="608360" y="1527840"/>
+            <a:ext cx="9051561" cy="4073040"/>
           </a:xfrm>
           <a:prstGeom prst="rect">
             <a:avLst/>
@@ -3707,6 +3836,7 @@
           </a:bodyPr>
           <a:lstStyle/>
           <a:p>
+            <a:pPr algn="just"/>
             <a:r>
               <a:rPr lang="en-IN" sz="3600" b="1" strike="noStrike" spc="-1" dirty="0">
                 <a:solidFill>
@@ -3726,7 +3856,7 @@
               <a:t> </a:t>
             </a:r>
             <a:r>
-              <a:rPr lang="en-IN" sz="3600" b="0" strike="noStrike" spc="-1" dirty="0" err="1" smtClean="0">
+              <a:rPr lang="en-IN" sz="3600" b="0" strike="noStrike" spc="-1" dirty="0" err="1">
                 <a:solidFill>
                   <a:srgbClr val="000000"/>
                 </a:solidFill>
@@ -3735,7 +3865,7 @@
               <a:t>sivasthruthi</a:t>
             </a:r>
             <a:r>
-              <a:rPr lang="en-IN" sz="3600" b="0" strike="noStrike" spc="-1" dirty="0" smtClean="0">
+              <a:rPr lang="en-IN" sz="3600" b="0" strike="noStrike" spc="-1" dirty="0">
                 <a:solidFill>
                   <a:srgbClr val="000000"/>
                 </a:solidFill>
@@ -3744,7 +3874,7 @@
               <a:t> </a:t>
             </a:r>
             <a:r>
-              <a:rPr lang="en-IN" sz="3600" spc="-1" dirty="0" smtClean="0">
+              <a:rPr lang="en-IN" sz="3600" spc="-1" dirty="0">
                 <a:solidFill>
                   <a:srgbClr val="000000"/>
                 </a:solidFill>
@@ -3754,24 +3884,7 @@
             </a:r>
           </a:p>
           <a:p>
-            <a:r>
-              <a:rPr lang="en-IN" sz="3600" b="1" strike="noStrike" spc="-1" dirty="0" smtClean="0">
-                <a:solidFill>
-                  <a:srgbClr val="000000"/>
-                </a:solidFill>
-                <a:latin typeface="Times New Roman"/>
-              </a:rPr>
-              <a:t>NM</a:t>
-            </a:r>
-            <a:r>
-              <a:rPr lang="en-IN" sz="3600" b="0" strike="noStrike" spc="-1" dirty="0" smtClean="0">
-                <a:solidFill>
-                  <a:srgbClr val="000000"/>
-                </a:solidFill>
-                <a:latin typeface="Times New Roman"/>
-              </a:rPr>
-              <a:t> </a:t>
-            </a:r>
+            <a:pPr algn="just"/>
             <a:r>
               <a:rPr lang="en-IN" sz="3600" b="1" strike="noStrike" spc="-1" dirty="0">
                 <a:solidFill>
@@ -3779,27 +3892,16 @@
                 </a:solidFill>
                 <a:latin typeface="Times New Roman"/>
               </a:rPr>
-              <a:t>id: </a:t>
-            </a:r>
-            <a:r>
-              <a:rPr lang="en-IN" sz="3600" b="0" strike="noStrike" spc="-1" dirty="0" smtClean="0">
+              <a:t>NM</a:t>
+            </a:r>
+            <a:r>
+              <a:rPr lang="en-IN" sz="3600" b="0" strike="noStrike" spc="-1" dirty="0">
                 <a:solidFill>
                   <a:srgbClr val="000000"/>
                 </a:solidFill>
                 <a:latin typeface="Times New Roman"/>
               </a:rPr>
-              <a:t>au730321104050</a:t>
-            </a:r>
-          </a:p>
-          <a:p>
-            <a:r>
-              <a:rPr lang="en-IN" sz="3600" b="1" strike="noStrike" spc="-1" dirty="0" smtClean="0">
-                <a:solidFill>
-                  <a:srgbClr val="000000"/>
-                </a:solidFill>
-                <a:latin typeface="Times New Roman"/>
-              </a:rPr>
-              <a:t>Reg</a:t>
+              <a:t> </a:t>
             </a:r>
             <a:r>
               <a:rPr lang="en-IN" sz="3600" b="1" strike="noStrike" spc="-1" dirty="0">
@@ -3808,7 +3910,7 @@
                 </a:solidFill>
                 <a:latin typeface="Times New Roman"/>
               </a:rPr>
-              <a:t>. No:</a:t>
+              <a:t>id: </a:t>
             </a:r>
             <a:r>
               <a:rPr lang="en-IN" sz="3600" b="0" strike="noStrike" spc="-1" dirty="0">
@@ -3817,22 +3919,11 @@
                 </a:solidFill>
                 <a:latin typeface="Times New Roman"/>
               </a:rPr>
-              <a:t> </a:t>
-            </a:r>
-            <a:r>
-              <a:rPr lang="en-IN" sz="3600" spc="-1" dirty="0" smtClean="0">
-                <a:solidFill>
-                  <a:srgbClr val="000000"/>
-                </a:solidFill>
-                <a:latin typeface="Times New Roman"/>
-              </a:rPr>
-              <a:t>730321104050</a:t>
-            </a:r>
-            <a:endParaRPr lang="en-IN" sz="3600" b="0" strike="noStrike" spc="-1" dirty="0">
-              <a:latin typeface="Times New Roman"/>
-            </a:endParaRPr>
-          </a:p>
-          <a:p>
+              <a:t>au730321104050</a:t>
+            </a:r>
+          </a:p>
+          <a:p>
+            <a:pPr algn="just"/>
             <a:r>
               <a:rPr lang="en-IN" sz="3600" b="1" strike="noStrike" spc="-1" dirty="0">
                 <a:solidFill>
@@ -3840,7 +3931,7 @@
                 </a:solidFill>
                 <a:latin typeface="Times New Roman"/>
               </a:rPr>
-              <a:t>Year:</a:t>
+              <a:t>Reg. No:</a:t>
             </a:r>
             <a:r>
               <a:rPr lang="en-IN" sz="3600" b="0" strike="noStrike" spc="-1" dirty="0">
@@ -3849,13 +3940,23 @@
                 </a:solidFill>
                 <a:latin typeface="Times New Roman"/>
               </a:rPr>
-              <a:t> III </a:t>
+              <a:t> </a:t>
+            </a:r>
+            <a:r>
+              <a:rPr lang="en-IN" sz="3600" spc="-1" dirty="0">
+                <a:solidFill>
+                  <a:srgbClr val="000000"/>
+                </a:solidFill>
+                <a:latin typeface="Times New Roman"/>
+              </a:rPr>
+              <a:t>730321104050</a:t>
             </a:r>
             <a:endParaRPr lang="en-IN" sz="3600" b="0" strike="noStrike" spc="-1" dirty="0">
               <a:latin typeface="Times New Roman"/>
             </a:endParaRPr>
           </a:p>
           <a:p>
+            <a:pPr algn="just"/>
             <a:r>
               <a:rPr lang="en-IN" sz="3600" b="1" strike="noStrike" spc="-1" dirty="0">
                 <a:solidFill>
@@ -3863,7 +3964,7 @@
                 </a:solidFill>
                 <a:latin typeface="Times New Roman"/>
               </a:rPr>
-              <a:t>Department:</a:t>
+              <a:t>Year:</a:t>
             </a:r>
             <a:r>
               <a:rPr lang="en-IN" sz="3600" b="0" strike="noStrike" spc="-1" dirty="0">
@@ -3872,22 +3973,14 @@
                 </a:solidFill>
                 <a:latin typeface="Times New Roman"/>
               </a:rPr>
-              <a:t> </a:t>
-            </a:r>
-            <a:r>
-              <a:rPr lang="en-IN" sz="3600" b="0" strike="noStrike" spc="-1" dirty="0" smtClean="0">
-                <a:solidFill>
-                  <a:srgbClr val="000000"/>
-                </a:solidFill>
-                <a:latin typeface="Times New Roman"/>
-              </a:rPr>
-              <a:t>BE/COMPUTER SCIENCE AND ENGINEERING</a:t>
+              <a:t> III </a:t>
             </a:r>
             <a:endParaRPr lang="en-IN" sz="3600" b="0" strike="noStrike" spc="-1" dirty="0">
               <a:latin typeface="Times New Roman"/>
             </a:endParaRPr>
           </a:p>
           <a:p>
+            <a:pPr algn="just"/>
             <a:r>
               <a:rPr lang="en-IN" sz="3600" b="1" strike="noStrike" spc="-1" dirty="0">
                 <a:solidFill>
@@ -3895,7 +3988,7 @@
                 </a:solidFill>
                 <a:latin typeface="Times New Roman"/>
               </a:rPr>
-              <a:t>College Name:</a:t>
+              <a:t>Department:</a:t>
             </a:r>
             <a:r>
               <a:rPr lang="en-IN" sz="3600" b="0" strike="noStrike" spc="-1" dirty="0">
@@ -3904,16 +3997,31 @@
                 </a:solidFill>
                 <a:latin typeface="Times New Roman"/>
               </a:rPr>
-              <a:t> </a:t>
-            </a:r>
-            <a:r>
-              <a:rPr lang="en-IN" sz="3600" b="0" strike="noStrike" spc="-1" dirty="0" smtClean="0">
+              <a:t> BE/COMPUTER SCIENCE AND ENGINEERING</a:t>
+            </a:r>
+            <a:endParaRPr lang="en-IN" sz="3600" b="0" strike="noStrike" spc="-1" dirty="0">
+              <a:latin typeface="Times New Roman"/>
+            </a:endParaRPr>
+          </a:p>
+          <a:p>
+            <a:pPr algn="just"/>
+            <a:r>
+              <a:rPr lang="en-IN" sz="3600" b="1" strike="noStrike" spc="-1" dirty="0">
                 <a:solidFill>
                   <a:srgbClr val="000000"/>
                 </a:solidFill>
                 <a:latin typeface="Times New Roman"/>
               </a:rPr>
-              <a:t>BUILDERS ENGINEERING COLLEGE</a:t>
+              <a:t>College Name:</a:t>
+            </a:r>
+            <a:r>
+              <a:rPr lang="en-IN" sz="3600" b="0" strike="noStrike" spc="-1" dirty="0">
+                <a:solidFill>
+                  <a:srgbClr val="000000"/>
+                </a:solidFill>
+                <a:latin typeface="Times New Roman"/>
+              </a:rPr>
+              <a:t> BUILDERS ENGINEERING COLLEGE</a:t>
             </a:r>
             <a:endParaRPr lang="en-IN" sz="3600" b="0" strike="noStrike" spc="-1" dirty="0">
               <a:latin typeface="Times New Roman"/>
@@ -3959,14 +4067,6 @@
   <p:clrMapOvr>
     <a:masterClrMapping/>
   </p:clrMapOvr>
-  <mc:AlternateContent xmlns:mc="http://schemas.openxmlformats.org/markup-compatibility/2006" xmlns:p14="http://schemas.microsoft.com/office/powerpoint/2010/main">
-    <mc:Choice Requires="p14">
-      <p:transition spd="slow" p14:dur="2000"/>
-    </mc:Choice>
-    <mc:Fallback xmlns="">
-      <p:transition spd="slow"/>
-    </mc:Fallback>
-  </mc:AlternateContent>
 </p:sld>
 </file>
 
@@ -4695,7 +4795,7 @@
               <a:tabLst/>
             </a:pPr>
             <a:r>
-              <a:rPr kumimoji="0" lang="en-US" sz="1000" b="0" i="0" u="none" strike="noStrike" cap="none" normalizeH="0" baseline="0" smtClean="0">
+              <a:rPr kumimoji="0" lang="en-US" sz="1000" b="0" i="0" u="none" strike="noStrike" cap="none" normalizeH="0" baseline="0">
                 <a:ln>
                   <a:noFill/>
                 </a:ln>
@@ -4709,7 +4809,7 @@
               <a:t>Epoch 0: Loss = 0.47073804553437715 Epoch 100: Loss = 0.3067689501668655 Epoch 200: Loss = 0.20326689735047374 Epoch 300: Loss = 0.1420522170051221 Epoch 400: Loss = 0.1045056742458889 Epoch 500: Loss = 0.08027898488420122 Epoch 600: Loss = 0.06387909604329431 Epoch 700: Loss = 0.05229858869654254 Epoch 800: Loss = 0.043819524151194715 Epoch 900: Loss = 0.03741719298315425 Accuracy: 1.0</a:t>
             </a:r>
             <a:r>
-              <a:rPr kumimoji="0" lang="en-US" sz="1100" b="0" i="0" u="none" strike="noStrike" cap="none" normalizeH="0" baseline="0" smtClean="0">
+              <a:rPr kumimoji="0" lang="en-US" sz="1100" b="0" i="0" u="none" strike="noStrike" cap="none" normalizeH="0" baseline="0">
                 <a:ln>
                   <a:noFill/>
                 </a:ln>
@@ -4722,7 +4822,7 @@
               </a:rPr>
               <a:t> </a:t>
             </a:r>
-            <a:endParaRPr kumimoji="0" lang="en-US" sz="1800" b="0" i="0" u="none" strike="noStrike" cap="none" normalizeH="0" baseline="0" smtClean="0">
+            <a:endParaRPr kumimoji="0" lang="en-US" sz="1800" b="0" i="0" u="none" strike="noStrike" cap="none" normalizeH="0" baseline="0">
               <a:ln>
                 <a:noFill/>
               </a:ln>
@@ -4812,7 +4912,7 @@
               <a:tabLst/>
             </a:pPr>
             <a:r>
-              <a:rPr kumimoji="0" lang="en-US" sz="1000" b="0" i="0" u="none" strike="noStrike" cap="none" normalizeH="0" baseline="0" smtClean="0">
+              <a:rPr kumimoji="0" lang="en-US" sz="1000" b="0" i="0" u="none" strike="noStrike" cap="none" normalizeH="0" baseline="0">
                 <a:ln>
                   <a:noFill/>
                 </a:ln>
@@ -4826,7 +4926,7 @@
               <a:t>Epoch 0: Loss = 0.47073804553437715 Epoch 100: Loss = 0.3067689501668655 Epoch 200: Loss = 0.20326689735047374 Epoch 300: Loss = 0.1420522170051221 Epoch 400: Loss = 0.1045056742458889 Epoch 500: Loss = 0.08027898488420122 Epoch 600: Loss = 0.06387909604329431 Epoch 700: Loss = 0.05229858869654254 Epoch 800: Loss = 0.043819524151194715 Epoch 900: Loss = 0.03741719298315425 Accuracy: 1.0</a:t>
             </a:r>
             <a:r>
-              <a:rPr kumimoji="0" lang="en-US" sz="1100" b="0" i="0" u="none" strike="noStrike" cap="none" normalizeH="0" baseline="0" smtClean="0">
+              <a:rPr kumimoji="0" lang="en-US" sz="1100" b="0" i="0" u="none" strike="noStrike" cap="none" normalizeH="0" baseline="0">
                 <a:ln>
                   <a:noFill/>
                 </a:ln>
@@ -4839,7 +4939,7 @@
               </a:rPr>
               <a:t> </a:t>
             </a:r>
-            <a:endParaRPr kumimoji="0" lang="en-US" sz="1800" b="0" i="0" u="none" strike="noStrike" cap="none" normalizeH="0" baseline="0" smtClean="0">
+            <a:endParaRPr kumimoji="0" lang="en-US" sz="1800" b="0" i="0" u="none" strike="noStrike" cap="none" normalizeH="0" baseline="0">
               <a:ln>
                 <a:noFill/>
               </a:ln>
@@ -4878,7 +4978,6 @@
               <a:rPr lang="en-IN" dirty="0"/>
               <a:t>Epoch 0: Loss = 0.47073804553437715 Epoch 100: Loss = 0.3067689501668655 Epoch 200: Loss = 0.20326689735047374 Epoch 300: Loss = 0.1420522170051221 Epoch 400: Loss = 0.1045056742458889 Epoch 500: Loss = 0.08027898488420122 Epoch 600: Loss = 0.06387909604329431 Epoch 700: Loss = 0.05229858869654254 Epoch 800: Loss = 0.043819524151194715 Epoch 900: Loss = 0.03741719298315425 Accuracy: 1.0</a:t>
             </a:r>
-            <a:endParaRPr lang="en-IN" dirty="0"/>
           </a:p>
         </p:txBody>
       </p:sp>
@@ -4887,14 +4986,6 @@
   <p:clrMapOvr>
     <a:masterClrMapping/>
   </p:clrMapOvr>
-  <mc:AlternateContent xmlns:mc="http://schemas.openxmlformats.org/markup-compatibility/2006" xmlns:p14="http://schemas.microsoft.com/office/powerpoint/2010/main">
-    <mc:Choice Requires="p14">
-      <p:transition spd="slow" p14:dur="2000"/>
-    </mc:Choice>
-    <mc:Fallback xmlns="">
-      <p:transition spd="slow"/>
-    </mc:Fallback>
-  </mc:AlternateContent>
 </p:sld>
 </file>
 
@@ -4968,7 +5059,7 @@
               <a:buNone/>
             </a:pPr>
             <a:r>
-              <a:rPr lang="en-US" sz="4800" b="0" strike="noStrike" spc="-1" dirty="0" smtClean="0">
+              <a:rPr lang="en-US" sz="4800" b="0" strike="noStrike" spc="-1" dirty="0">
                 <a:latin typeface="Times New Roman"/>
               </a:rPr>
               <a:t>SENTEMENT ANALYSIS</a:t>
@@ -5725,14 +5816,6 @@
   <p:clrMapOvr>
     <a:masterClrMapping/>
   </p:clrMapOvr>
-  <mc:AlternateContent xmlns:mc="http://schemas.openxmlformats.org/markup-compatibility/2006" xmlns:p14="http://schemas.microsoft.com/office/powerpoint/2010/main">
-    <mc:Choice Requires="p14">
-      <p:transition spd="slow" p14:dur="2000"/>
-    </mc:Choice>
-    <mc:Fallback xmlns="">
-      <p:transition spd="slow"/>
-    </mc:Fallback>
-  </mc:AlternateContent>
 </p:sld>
 </file>
 
@@ -5831,129 +5914,74 @@
               </a:rPr>
               <a:t>        </a:t>
             </a:r>
-            <a:r>
-              <a:rPr sz="2400" dirty="0"/>
-              <a:t/>
-            </a:r>
             <a:br>
               <a:rPr sz="2400" dirty="0"/>
             </a:br>
             <a:r>
-              <a:rPr lang="en-IN" sz="3600" b="0" strike="noStrike" spc="-1" dirty="0" smtClean="0">
-                <a:latin typeface="Times New Roman"/>
-              </a:rPr>
-              <a:t>1</a:t>
-            </a:r>
-            <a:r>
               <a:rPr lang="en-IN" sz="3600" b="0" strike="noStrike" spc="-1" dirty="0">
                 <a:latin typeface="Times New Roman"/>
               </a:rPr>
-              <a:t>. Introduction </a:t>
-            </a:r>
-            <a:r>
-              <a:rPr lang="en-IN" sz="3600" b="0" strike="noStrike" spc="-1" dirty="0" smtClean="0">
+              <a:t>1. Introduction to </a:t>
+            </a:r>
+            <a:r>
+              <a:rPr lang="en-IN" sz="3600" b="0" strike="noStrike" spc="-1" dirty="0" err="1">
                 <a:latin typeface="Times New Roman"/>
               </a:rPr>
-              <a:t>to </a:t>
-            </a:r>
-            <a:r>
-              <a:rPr lang="en-IN" sz="3600" b="0" strike="noStrike" spc="-1" dirty="0" err="1" smtClean="0">
-                <a:latin typeface="Times New Roman"/>
-              </a:rPr>
               <a:t>Sentement</a:t>
-            </a:r>
-            <a:r>
-              <a:rPr lang="en-IN" sz="3600" b="0" strike="noStrike" spc="-1" dirty="0" smtClean="0">
-                <a:latin typeface="Times New Roman"/>
-              </a:rPr>
-              <a:t> analysis.</a:t>
-            </a:r>
-            <a:endParaRPr lang="en-IN" sz="3600" b="0" strike="noStrike" spc="-1" dirty="0">
-              <a:latin typeface="Times New Roman"/>
-            </a:endParaRPr>
-          </a:p>
-          <a:p>
-            <a:r>
-              <a:rPr lang="en-IN" sz="3600" b="0" strike="noStrike" spc="-1" dirty="0" smtClean="0">
-                <a:latin typeface="Times New Roman"/>
-              </a:rPr>
-              <a:t>2</a:t>
             </a:r>
             <a:r>
               <a:rPr lang="en-IN" sz="3600" b="0" strike="noStrike" spc="-1" dirty="0">
                 <a:latin typeface="Times New Roman"/>
               </a:rPr>
-              <a:t>. Technologies and Tools.</a:t>
-            </a:r>
-          </a:p>
-          <a:p>
-            <a:r>
-              <a:rPr lang="en-IN" sz="3600" b="0" strike="noStrike" spc="-1" dirty="0" smtClean="0">
-                <a:latin typeface="Times New Roman"/>
-              </a:rPr>
-              <a:t>3</a:t>
-            </a:r>
+              <a:t> analysis.</a:t>
+            </a:r>
+          </a:p>
+          <a:p>
             <a:r>
               <a:rPr lang="en-IN" sz="3600" b="0" strike="noStrike" spc="-1" dirty="0">
                 <a:latin typeface="Times New Roman"/>
               </a:rPr>
-              <a:t>. Hardware Requirements.</a:t>
-            </a:r>
-          </a:p>
-          <a:p>
-            <a:r>
-              <a:rPr lang="en-IN" sz="3600" b="0" strike="noStrike" spc="-1" dirty="0" smtClean="0">
-                <a:latin typeface="Times New Roman"/>
-              </a:rPr>
-              <a:t>4</a:t>
-            </a:r>
+              <a:t>2. Technologies and Tools.</a:t>
+            </a:r>
+          </a:p>
+          <a:p>
             <a:r>
               <a:rPr lang="en-IN" sz="3600" b="0" strike="noStrike" spc="-1" dirty="0">
                 <a:latin typeface="Times New Roman"/>
               </a:rPr>
-              <a:t>. Software Development  </a:t>
-            </a:r>
-          </a:p>
-          <a:p>
-            <a:r>
-              <a:rPr lang="en-IN" sz="3600" b="0" strike="noStrike" spc="-1" dirty="0" smtClean="0">
-                <a:latin typeface="Times New Roman"/>
-              </a:rPr>
-              <a:t>5</a:t>
-            </a:r>
+              <a:t>3. Hardware Requirements.</a:t>
+            </a:r>
+          </a:p>
+          <a:p>
             <a:r>
               <a:rPr lang="en-IN" sz="3600" b="0" strike="noStrike" spc="-1" dirty="0">
                 <a:latin typeface="Times New Roman"/>
               </a:rPr>
-              <a:t>. Algorithm.</a:t>
-            </a:r>
-          </a:p>
-          <a:p>
-            <a:r>
-              <a:rPr lang="en-IN" sz="3600" b="0" strike="noStrike" spc="-1" dirty="0" smtClean="0">
-                <a:latin typeface="Times New Roman"/>
-              </a:rPr>
-              <a:t>6</a:t>
-            </a:r>
+              <a:t>4. Software Development  </a:t>
+            </a:r>
+          </a:p>
+          <a:p>
             <a:r>
               <a:rPr lang="en-IN" sz="3600" b="0" strike="noStrike" spc="-1" dirty="0">
                 <a:latin typeface="Times New Roman"/>
               </a:rPr>
-              <a:t>. Use Cases and Applications.</a:t>
-            </a:r>
-          </a:p>
-          <a:p>
-            <a:r>
-              <a:rPr lang="en-IN" sz="3600" b="0" strike="noStrike" spc="-1" dirty="0" smtClean="0">
-                <a:latin typeface="Times New Roman"/>
-              </a:rPr>
-              <a:t>7</a:t>
-            </a:r>
+              <a:t>5. Algorithm.</a:t>
+            </a:r>
+          </a:p>
+          <a:p>
             <a:r>
               <a:rPr lang="en-IN" sz="3600" b="0" strike="noStrike" spc="-1" dirty="0">
                 <a:latin typeface="Times New Roman"/>
               </a:rPr>
-              <a:t>. Conclusion. </a:t>
+              <a:t>6. Use Cases and Applications.</a:t>
+            </a:r>
+          </a:p>
+          <a:p>
+            <a:r>
+              <a:rPr lang="en-IN" sz="3600" b="0" strike="noStrike" spc="-1" dirty="0">
+                <a:latin typeface="Times New Roman"/>
+              </a:rPr>
+              <a:t>7. Conclusion. </a:t>
             </a:r>
           </a:p>
           <a:p>
@@ -6784,14 +6812,6 @@
   <p:clrMapOvr>
     <a:masterClrMapping/>
   </p:clrMapOvr>
-  <mc:AlternateContent xmlns:mc="http://schemas.openxmlformats.org/markup-compatibility/2006" xmlns:p14="http://schemas.microsoft.com/office/powerpoint/2010/main">
-    <mc:Choice Requires="p14">
-      <p:transition spd="slow" p14:dur="2000"/>
-    </mc:Choice>
-    <mc:Fallback xmlns="">
-      <p:transition spd="slow"/>
-    </mc:Fallback>
-  </mc:AlternateContent>
 </p:sld>
 </file>
 
@@ -7607,7 +7627,7 @@
         </p:nvSpPr>
         <p:spPr>
           <a:xfrm>
-            <a:off x="332280" y="1215720"/>
+            <a:off x="229140" y="1903320"/>
             <a:ext cx="9810000" cy="4950000"/>
           </a:xfrm>
           <a:prstGeom prst="rect">
@@ -7624,21 +7644,20 @@
           </a:bodyPr>
           <a:lstStyle/>
           <a:p>
-            <a:pPr marL="457200" indent="-457200">
+            <a:pPr marL="457200" indent="-457200" algn="just">
               <a:buFont typeface="Arial" pitchFamily="34" charset="0"/>
               <a:buChar char="•"/>
             </a:pPr>
             <a:r>
-              <a:rPr lang="en-US" sz="2800" dirty="0" smtClean="0"/>
-              <a:t> The </a:t>
-            </a:r>
-            <a:r>
               <a:rPr lang="en-US" sz="2800" dirty="0"/>
-              <a:t>problem statement of sentiment analysis involves analyzing a piece of text (such as a review, comment, or tweet) and determining the sentiment conveyed by it. Sentiment analysis aims to automatically classify the sentiment of the text as positive, negative, or </a:t>
-            </a:r>
-            <a:r>
-              <a:rPr lang="en-US" sz="2800" dirty="0" smtClean="0"/>
-              <a:t>neutral </a:t>
+              <a:t> </a:t>
+            </a:r>
+            <a:r>
+              <a:rPr lang="en-US" sz="2400" dirty="0">
+                <a:latin typeface="Times New Roman" panose="02020603050405020304" pitchFamily="18" charset="0"/>
+                <a:cs typeface="Times New Roman" panose="02020603050405020304" pitchFamily="18" charset="0"/>
+              </a:rPr>
+              <a:t>The problem statement of sentiment analysis involves analyzing a piece of text (such as a review, comment, or tweet) and determining the sentiment conveyed by it. Sentiment analysis aims to automatically classify the sentiment of the text as positive, negative, or neutral </a:t>
             </a:r>
           </a:p>
           <a:p>
@@ -7646,90 +7665,101 @@
               <a:rPr lang="en-US" sz="2800" b="0" strike="noStrike" spc="-1" dirty="0">
                 <a:latin typeface="Times New Roman"/>
               </a:rPr>
+              <a:t>      </a:t>
+            </a:r>
+            <a:endParaRPr lang="en-US" sz="2800" b="1" dirty="0"/>
+          </a:p>
+          <a:p>
+            <a:endParaRPr lang="en-US" sz="2800" b="1" dirty="0"/>
+          </a:p>
+          <a:p>
+            <a:r>
+              <a:rPr lang="en-US" sz="2400" b="1" dirty="0">
+                <a:latin typeface="Times New Roman" panose="02020603050405020304" pitchFamily="18" charset="0"/>
+                <a:cs typeface="Times New Roman" panose="02020603050405020304" pitchFamily="18" charset="0"/>
+              </a:rPr>
+              <a:t>   key :</a:t>
+            </a:r>
+          </a:p>
+          <a:p>
+            <a:r>
+              <a:rPr lang="en-US" sz="2400" b="1" dirty="0">
+                <a:latin typeface="Times New Roman" panose="02020603050405020304" pitchFamily="18" charset="0"/>
+                <a:cs typeface="Times New Roman" panose="02020603050405020304" pitchFamily="18" charset="0"/>
+              </a:rPr>
+              <a:t>            </a:t>
+            </a:r>
+            <a:r>
+              <a:rPr lang="en-IN" sz="2400" b="1" dirty="0">
+                <a:latin typeface="Times New Roman" panose="02020603050405020304" pitchFamily="18" charset="0"/>
+                <a:cs typeface="Times New Roman" panose="02020603050405020304" pitchFamily="18" charset="0"/>
+              </a:rPr>
+              <a:t>High-Quality Data</a:t>
+            </a:r>
+            <a:endParaRPr lang="en-IN" sz="2400" dirty="0">
+              <a:latin typeface="Times New Roman" panose="02020603050405020304" pitchFamily="18" charset="0"/>
+              <a:cs typeface="Times New Roman" panose="02020603050405020304" pitchFamily="18" charset="0"/>
+            </a:endParaRPr>
+          </a:p>
+          <a:p>
+            <a:r>
+              <a:rPr lang="en-IN" sz="2400" dirty="0">
+                <a:latin typeface="Times New Roman" panose="02020603050405020304" pitchFamily="18" charset="0"/>
+                <a:cs typeface="Times New Roman" panose="02020603050405020304" pitchFamily="18" charset="0"/>
+              </a:rPr>
+              <a:t>            </a:t>
+            </a:r>
+            <a:r>
+              <a:rPr lang="en-IN" sz="2400" b="1" dirty="0">
+                <a:latin typeface="Times New Roman" panose="02020603050405020304" pitchFamily="18" charset="0"/>
+                <a:cs typeface="Times New Roman" panose="02020603050405020304" pitchFamily="18" charset="0"/>
+              </a:rPr>
+              <a:t>Preprocessing</a:t>
+            </a:r>
+            <a:endParaRPr lang="en-IN" sz="2400" dirty="0">
+              <a:latin typeface="Times New Roman" panose="02020603050405020304" pitchFamily="18" charset="0"/>
+              <a:cs typeface="Times New Roman" panose="02020603050405020304" pitchFamily="18" charset="0"/>
+            </a:endParaRPr>
+          </a:p>
+          <a:p>
+            <a:r>
+              <a:rPr lang="en-IN" sz="2400" dirty="0">
+                <a:latin typeface="Times New Roman" panose="02020603050405020304" pitchFamily="18" charset="0"/>
+                <a:cs typeface="Times New Roman" panose="02020603050405020304" pitchFamily="18" charset="0"/>
+              </a:rPr>
+              <a:t>            </a:t>
+            </a:r>
+            <a:r>
+              <a:rPr lang="en-IN" sz="2400" b="1" dirty="0" err="1">
+                <a:latin typeface="Times New Roman" panose="02020603050405020304" pitchFamily="18" charset="0"/>
+                <a:cs typeface="Times New Roman" panose="02020603050405020304" pitchFamily="18" charset="0"/>
+              </a:rPr>
+              <a:t>Labeling</a:t>
+            </a:r>
+            <a:r>
+              <a:rPr lang="en-IN" sz="2400" b="1" dirty="0">
+                <a:latin typeface="Times New Roman" panose="02020603050405020304" pitchFamily="18" charset="0"/>
+                <a:cs typeface="Times New Roman" panose="02020603050405020304" pitchFamily="18" charset="0"/>
+              </a:rPr>
+              <a:t> and Annotation</a:t>
+            </a:r>
+            <a:r>
+              <a:rPr lang="en-IN" sz="2400" dirty="0">
+                <a:latin typeface="Times New Roman" panose="02020603050405020304" pitchFamily="18" charset="0"/>
+                <a:cs typeface="Times New Roman" panose="02020603050405020304" pitchFamily="18" charset="0"/>
+              </a:rPr>
               <a:t> </a:t>
             </a:r>
             <a:r>
-              <a:rPr lang="en-US" sz="2800" b="0" strike="noStrike" spc="-1" dirty="0" smtClean="0">
-                <a:latin typeface="Times New Roman"/>
-              </a:rPr>
-              <a:t>     </a:t>
-            </a:r>
-            <a:endParaRPr lang="en-US" sz="2800" b="1" dirty="0"/>
-          </a:p>
-          <a:p>
-            <a:endParaRPr lang="en-US" sz="2800" b="1" dirty="0" smtClean="0"/>
-          </a:p>
-          <a:p>
-            <a:r>
-              <a:rPr lang="en-US" sz="2800" b="1" dirty="0"/>
-              <a:t> </a:t>
-            </a:r>
-            <a:r>
-              <a:rPr lang="en-US" sz="2800" b="1" dirty="0" smtClean="0"/>
-              <a:t>  key :</a:t>
-            </a:r>
-          </a:p>
-          <a:p>
-            <a:r>
-              <a:rPr lang="en-US" sz="2800" b="1" dirty="0"/>
-              <a:t> </a:t>
-            </a:r>
-            <a:r>
-              <a:rPr lang="en-US" sz="2800" b="1" dirty="0" smtClean="0"/>
-              <a:t>         </a:t>
-            </a:r>
-            <a:r>
-              <a:rPr lang="en-IN" b="1" dirty="0"/>
-              <a:t>High-Quality </a:t>
-            </a:r>
-            <a:r>
-              <a:rPr lang="en-IN" b="1" dirty="0" smtClean="0"/>
-              <a:t>Data</a:t>
-            </a:r>
-            <a:endParaRPr lang="en-IN" dirty="0"/>
-          </a:p>
-          <a:p>
-            <a:r>
-              <a:rPr lang="en-IN" dirty="0"/>
-              <a:t> </a:t>
-            </a:r>
-            <a:r>
-              <a:rPr lang="en-IN" dirty="0" smtClean="0"/>
-              <a:t>               </a:t>
-            </a:r>
-            <a:r>
-              <a:rPr lang="en-IN" b="1" dirty="0" err="1" smtClean="0"/>
-              <a:t>Preprocessing</a:t>
-            </a:r>
-            <a:endParaRPr lang="en-IN" dirty="0"/>
-          </a:p>
-          <a:p>
-            <a:r>
-              <a:rPr lang="en-IN" dirty="0"/>
-              <a:t> </a:t>
-            </a:r>
-            <a:r>
-              <a:rPr lang="en-IN" dirty="0" smtClean="0"/>
-              <a:t>               </a:t>
-            </a:r>
-            <a:r>
-              <a:rPr lang="en-IN" b="1" dirty="0" err="1"/>
-              <a:t>Labeling</a:t>
-            </a:r>
-            <a:r>
-              <a:rPr lang="en-IN" b="1" dirty="0"/>
-              <a:t> and Annotation</a:t>
-            </a:r>
-            <a:r>
-              <a:rPr lang="en-IN" dirty="0" smtClean="0"/>
-              <a:t> </a:t>
-            </a:r>
-            <a:r>
-              <a:rPr lang="en-US" dirty="0" smtClean="0"/>
+              <a:rPr lang="en-US" sz="2400" dirty="0">
+                <a:latin typeface="Times New Roman" panose="02020603050405020304" pitchFamily="18" charset="0"/>
+                <a:cs typeface="Times New Roman" panose="02020603050405020304" pitchFamily="18" charset="0"/>
+              </a:rPr>
               <a:t>    </a:t>
             </a:r>
-            <a:endParaRPr lang="en-IN" b="0" strike="noStrike" spc="-1" dirty="0">
-              <a:latin typeface="Times New Roman"/>
+            <a:endParaRPr lang="en-IN" sz="2400" b="0" strike="noStrike" spc="-1" dirty="0">
+              <a:latin typeface="Times New Roman" panose="02020603050405020304" pitchFamily="18" charset="0"/>
+              <a:cs typeface="Times New Roman" panose="02020603050405020304" pitchFamily="18" charset="0"/>
             </a:endParaRPr>
           </a:p>
         </p:txBody>
@@ -7739,14 +7769,6 @@
   <p:clrMapOvr>
     <a:masterClrMapping/>
   </p:clrMapOvr>
-  <mc:AlternateContent xmlns:mc="http://schemas.openxmlformats.org/markup-compatibility/2006" xmlns:p14="http://schemas.microsoft.com/office/powerpoint/2010/main">
-    <mc:Choice Requires="p14">
-      <p:transition spd="slow" p14:dur="2000"/>
-    </mc:Choice>
-    <mc:Fallback xmlns="">
-      <p:transition spd="slow"/>
-    </mc:Fallback>
-  </mc:AlternateContent>
 </p:sld>
 </file>
 
@@ -7775,8 +7797,8 @@
         </p:nvSpPr>
         <p:spPr>
           <a:xfrm>
-            <a:off x="138240" y="1350000"/>
-            <a:ext cx="11471760" cy="4410000"/>
+            <a:off x="325440" y="1395000"/>
+            <a:ext cx="9752209" cy="4410000"/>
           </a:xfrm>
           <a:custGeom>
             <a:avLst/>
@@ -7820,133 +7842,127 @@
           </a:bodyPr>
           <a:lstStyle/>
           <a:p>
-            <a:r>
-              <a:rPr lang="en-US" sz="2800" dirty="0"/>
+            <a:pPr algn="just"/>
+            <a:r>
+              <a:rPr lang="en-US" sz="2800" dirty="0">
+                <a:latin typeface="Times New Roman" panose="02020603050405020304" pitchFamily="18" charset="0"/>
+                <a:cs typeface="Times New Roman" panose="02020603050405020304" pitchFamily="18" charset="0"/>
+              </a:rPr>
               <a:t>1</a:t>
             </a:r>
             <a:r>
-              <a:rPr lang="en-US" sz="2400" dirty="0" smtClean="0"/>
-              <a:t>. </a:t>
-            </a:r>
-            <a:r>
-              <a:rPr lang="en-US" sz="2400" dirty="0"/>
-              <a:t>Data Collection</a:t>
-            </a:r>
-          </a:p>
-          <a:p>
-            <a:r>
-              <a:rPr lang="en-US" sz="2400" dirty="0" smtClean="0"/>
-              <a:t>         Gather </a:t>
-            </a:r>
-            <a:r>
-              <a:rPr lang="en-US" sz="2400" dirty="0"/>
-              <a:t>a diverse dataset of text samples from various sources such as </a:t>
-            </a:r>
-            <a:r>
-              <a:rPr lang="en-US" sz="2400" dirty="0" smtClean="0"/>
-              <a:t>social         media</a:t>
-            </a:r>
-            <a:r>
-              <a:rPr lang="en-US" sz="2400" dirty="0"/>
-              <a:t>, customer reviews, news articles, or </a:t>
-            </a:r>
-            <a:r>
-              <a:rPr lang="en-US" sz="2400" dirty="0" err="1" smtClean="0"/>
+              <a:rPr lang="en-US" sz="2400" dirty="0">
+                <a:latin typeface="Times New Roman" panose="02020603050405020304" pitchFamily="18" charset="0"/>
+                <a:cs typeface="Times New Roman" panose="02020603050405020304" pitchFamily="18" charset="0"/>
+              </a:rPr>
+              <a:t>. Data Collection</a:t>
+            </a:r>
+          </a:p>
+          <a:p>
+            <a:pPr algn="just"/>
+            <a:r>
+              <a:rPr lang="en-US" sz="2400" dirty="0">
+                <a:latin typeface="Times New Roman" panose="02020603050405020304" pitchFamily="18" charset="0"/>
+                <a:cs typeface="Times New Roman" panose="02020603050405020304" pitchFamily="18" charset="0"/>
+              </a:rPr>
+              <a:t>         Gather a diverse dataset of text samples from various sources such as social         media, customer reviews, news articles, or </a:t>
+            </a:r>
+            <a:r>
+              <a:rPr lang="en-US" sz="2400" dirty="0" err="1">
+                <a:latin typeface="Times New Roman" panose="02020603050405020304" pitchFamily="18" charset="0"/>
+                <a:cs typeface="Times New Roman" panose="02020603050405020304" pitchFamily="18" charset="0"/>
+              </a:rPr>
               <a:t>surveys.Ensure</a:t>
             </a:r>
             <a:r>
-              <a:rPr lang="en-US" sz="2400" dirty="0" smtClean="0"/>
-              <a:t> </a:t>
-            </a:r>
-            <a:r>
-              <a:rPr lang="en-US" sz="2400" dirty="0"/>
-              <a:t>the dataset is properly labeled with sentiment annotations</a:t>
-            </a:r>
-            <a:r>
-              <a:rPr lang="en-US" sz="2400" dirty="0" smtClean="0"/>
-              <a:t>.</a:t>
-            </a:r>
-          </a:p>
-          <a:p>
-            <a:r>
-              <a:rPr lang="en-US" sz="2400" dirty="0"/>
-              <a:t>2</a:t>
-            </a:r>
-            <a:r>
-              <a:rPr lang="en-US" sz="2400" dirty="0" smtClean="0"/>
-              <a:t>. </a:t>
-            </a:r>
-            <a:r>
-              <a:rPr lang="en-US" sz="2400" dirty="0"/>
-              <a:t>Data Preprocessing</a:t>
-            </a:r>
-          </a:p>
-          <a:p>
-            <a:r>
-              <a:rPr lang="en-US" sz="2400" dirty="0" smtClean="0"/>
-              <a:t>         Tokenize </a:t>
-            </a:r>
-            <a:r>
-              <a:rPr lang="en-US" sz="2400" dirty="0"/>
-              <a:t>the text data and convert it into numerical representations.</a:t>
-            </a:r>
-          </a:p>
-          <a:p>
-            <a:r>
-              <a:rPr lang="en-US" sz="2400" dirty="0" smtClean="0"/>
-              <a:t>         Perform </a:t>
-            </a:r>
-            <a:r>
-              <a:rPr lang="en-US" sz="2400" dirty="0"/>
-              <a:t>text normalization techniques such as stemming, lemmatization, and </a:t>
-            </a:r>
-            <a:r>
-              <a:rPr lang="en-US" sz="2400" dirty="0" smtClean="0"/>
-              <a:t>        </a:t>
-            </a:r>
-            <a:endParaRPr lang="en-US" sz="2400" dirty="0"/>
-          </a:p>
-          <a:p>
-            <a:r>
-              <a:rPr lang="en-US" sz="2400" dirty="0"/>
+              <a:rPr lang="en-US" sz="2400" dirty="0">
+                <a:latin typeface="Times New Roman" panose="02020603050405020304" pitchFamily="18" charset="0"/>
+                <a:cs typeface="Times New Roman" panose="02020603050405020304" pitchFamily="18" charset="0"/>
+              </a:rPr>
+              <a:t> the dataset is properly labeled with sentiment annotations.</a:t>
+            </a:r>
+          </a:p>
+          <a:p>
+            <a:pPr algn="just"/>
+            <a:r>
+              <a:rPr lang="en-US" sz="2400" dirty="0">
+                <a:latin typeface="Times New Roman" panose="02020603050405020304" pitchFamily="18" charset="0"/>
+                <a:cs typeface="Times New Roman" panose="02020603050405020304" pitchFamily="18" charset="0"/>
+              </a:rPr>
+              <a:t>2. Data Preprocessing</a:t>
+            </a:r>
+          </a:p>
+          <a:p>
+            <a:pPr algn="just"/>
+            <a:r>
+              <a:rPr lang="en-US" sz="2400" dirty="0">
+                <a:latin typeface="Times New Roman" panose="02020603050405020304" pitchFamily="18" charset="0"/>
+                <a:cs typeface="Times New Roman" panose="02020603050405020304" pitchFamily="18" charset="0"/>
+              </a:rPr>
+              <a:t>         Tokenize the text data and convert it into numerical representations.</a:t>
+            </a:r>
+          </a:p>
+          <a:p>
+            <a:pPr algn="just"/>
+            <a:r>
+              <a:rPr lang="en-US" sz="2400" dirty="0">
+                <a:latin typeface="Times New Roman" panose="02020603050405020304" pitchFamily="18" charset="0"/>
+                <a:cs typeface="Times New Roman" panose="02020603050405020304" pitchFamily="18" charset="0"/>
+              </a:rPr>
+              <a:t>         Perform text normalization techniques such as stemming, lemmatization, and         </a:t>
+            </a:r>
+          </a:p>
+          <a:p>
+            <a:pPr algn="just"/>
+            <a:r>
+              <a:rPr lang="en-US" sz="2400" dirty="0">
+                <a:latin typeface="Times New Roman" panose="02020603050405020304" pitchFamily="18" charset="0"/>
+                <a:cs typeface="Times New Roman" panose="02020603050405020304" pitchFamily="18" charset="0"/>
+              </a:rPr>
               <a:t>Handle any noise or inconsistencies in the data.</a:t>
             </a:r>
           </a:p>
           <a:p>
-            <a:r>
-              <a:rPr lang="en-US" sz="2400" dirty="0" smtClean="0"/>
-              <a:t>3. </a:t>
-            </a:r>
-            <a:r>
-              <a:rPr lang="en-US" sz="2400" dirty="0"/>
-              <a:t>Exploratory Data Analysis (EDA)</a:t>
-            </a:r>
-          </a:p>
-          <a:p>
-            <a:r>
-              <a:rPr lang="en-US" sz="2400" dirty="0" smtClean="0"/>
-              <a:t>         Analyze </a:t>
-            </a:r>
-            <a:r>
-              <a:rPr lang="en-US" sz="2400" dirty="0"/>
-              <a:t>the distribution of sentiment classes in the dataset.</a:t>
-            </a:r>
-          </a:p>
-          <a:p>
-            <a:r>
-              <a:rPr lang="en-US" sz="2400" dirty="0"/>
+            <a:pPr algn="just"/>
+            <a:r>
+              <a:rPr lang="en-US" sz="2400" dirty="0">
+                <a:latin typeface="Times New Roman" panose="02020603050405020304" pitchFamily="18" charset="0"/>
+                <a:cs typeface="Times New Roman" panose="02020603050405020304" pitchFamily="18" charset="0"/>
+              </a:rPr>
+              <a:t>3. Exploratory Data Analysis (EDA)</a:t>
+            </a:r>
+          </a:p>
+          <a:p>
+            <a:pPr algn="just"/>
+            <a:r>
+              <a:rPr lang="en-US" sz="2400" dirty="0">
+                <a:latin typeface="Times New Roman" panose="02020603050405020304" pitchFamily="18" charset="0"/>
+                <a:cs typeface="Times New Roman" panose="02020603050405020304" pitchFamily="18" charset="0"/>
+              </a:rPr>
+              <a:t>         Analyze the distribution of sentiment classes in the dataset.</a:t>
+            </a:r>
+          </a:p>
+          <a:p>
+            <a:pPr algn="just"/>
+            <a:r>
+              <a:rPr lang="en-US" sz="2400" dirty="0">
+                <a:latin typeface="Times New Roman" panose="02020603050405020304" pitchFamily="18" charset="0"/>
+                <a:cs typeface="Times New Roman" panose="02020603050405020304" pitchFamily="18" charset="0"/>
+              </a:rPr>
               <a:t>Explore common words or phrases associated with each sentiment category.</a:t>
             </a:r>
           </a:p>
           <a:p>
-            <a:r>
-              <a:rPr lang="en-US" sz="2400" dirty="0"/>
-              <a:t/>
-            </a:r>
             <a:br>
-              <a:rPr lang="en-US" sz="2400" dirty="0"/>
+              <a:rPr lang="en-US" sz="2400" dirty="0">
+                <a:latin typeface="Times New Roman" panose="02020603050405020304" pitchFamily="18" charset="0"/>
+                <a:cs typeface="Times New Roman" panose="02020603050405020304" pitchFamily="18" charset="0"/>
+              </a:rPr>
             </a:br>
-            <a:endParaRPr lang="en-US" sz="2400" dirty="0"/>
+            <a:endParaRPr lang="en-US" sz="2400" dirty="0">
+              <a:latin typeface="Times New Roman" panose="02020603050405020304" pitchFamily="18" charset="0"/>
+              <a:cs typeface="Times New Roman" panose="02020603050405020304" pitchFamily="18" charset="0"/>
+            </a:endParaRPr>
           </a:p>
           <a:p>
             <a:pPr>
@@ -7956,13 +7972,15 @@
               <a:buSzPct val="45000"/>
             </a:pPr>
             <a:r>
-              <a:rPr lang="en-US" sz="2400" b="0" strike="noStrike" spc="-1" dirty="0" smtClean="0">
-                <a:latin typeface="Times New Roman"/>
+              <a:rPr lang="en-US" sz="2400" b="0" strike="noStrike" spc="-1" dirty="0">
+                <a:latin typeface="Times New Roman" panose="02020603050405020304" pitchFamily="18" charset="0"/>
+                <a:cs typeface="Times New Roman" panose="02020603050405020304" pitchFamily="18" charset="0"/>
               </a:rPr>
               <a:t>  </a:t>
             </a:r>
             <a:endParaRPr lang="en-IN" sz="2400" b="0" strike="noStrike" spc="-1" dirty="0">
-              <a:latin typeface="Times New Roman"/>
+              <a:latin typeface="Times New Roman" panose="02020603050405020304" pitchFamily="18" charset="0"/>
+              <a:cs typeface="Times New Roman" panose="02020603050405020304" pitchFamily="18" charset="0"/>
             </a:endParaRPr>
           </a:p>
         </p:txBody>
@@ -8175,6 +8193,13 @@
             <a:noFill/>
           </a:ln>
         </p:spPr>
+        <p:txBody>
+          <a:bodyPr/>
+          <a:lstStyle/>
+          <a:p>
+            <a:endParaRPr lang="en-IN" dirty="0"/>
+          </a:p>
+        </p:txBody>
       </p:sp>
       <p:sp>
         <p:nvSpPr>
@@ -8542,8 +8567,8 @@
         </p:blipFill>
         <p:spPr>
           <a:xfrm>
-            <a:off x="10440000" y="4860000"/>
-            <a:ext cx="1530000" cy="1757880"/>
+            <a:off x="10653720" y="5234472"/>
+            <a:ext cx="1316280" cy="1383407"/>
           </a:xfrm>
           <a:prstGeom prst="rect">
             <a:avLst/>
@@ -8621,14 +8646,6 @@
   <p:clrMapOvr>
     <a:masterClrMapping/>
   </p:clrMapOvr>
-  <mc:AlternateContent xmlns:mc="http://schemas.openxmlformats.org/markup-compatibility/2006" xmlns:p14="http://schemas.microsoft.com/office/powerpoint/2010/main">
-    <mc:Choice Requires="p14">
-      <p:transition spd="slow" p14:dur="2000"/>
-    </mc:Choice>
-    <mc:Fallback xmlns="">
-      <p:transition spd="slow"/>
-    </mc:Fallback>
-  </mc:AlternateContent>
 </p:sld>
 </file>
 
@@ -8701,68 +8718,16 @@
           <a:lstStyle/>
           <a:p>
             <a:r>
-              <a:rPr lang="en-IN" sz="3600" b="0" strike="noStrike" spc="-1" dirty="0" smtClean="0">
-                <a:latin typeface="Times New Roman"/>
-              </a:rPr>
-              <a:t>1.Business and </a:t>
-            </a:r>
-            <a:r>
-              <a:rPr lang="en-IN" sz="3600" b="0" strike="noStrike" spc="-1" dirty="0" err="1" smtClean="0">
-                <a:latin typeface="Times New Roman"/>
-              </a:rPr>
-              <a:t>origanation</a:t>
-            </a:r>
-            <a:endParaRPr lang="en-IN" sz="3600" b="0" strike="noStrike" spc="-1" dirty="0" smtClean="0">
-              <a:latin typeface="Times New Roman"/>
-            </a:endParaRPr>
-          </a:p>
-          <a:p>
-            <a:r>
-              <a:rPr lang="en-IN" sz="3600" spc="-1" dirty="0">
-                <a:latin typeface="Times New Roman"/>
-              </a:rPr>
-              <a:t>2</a:t>
-            </a:r>
-            <a:r>
-              <a:rPr lang="en-IN" sz="3600" b="0" strike="noStrike" spc="-1" dirty="0" smtClean="0">
-                <a:latin typeface="Times New Roman"/>
-              </a:rPr>
-              <a:t>. </a:t>
-            </a:r>
-            <a:r>
-              <a:rPr lang="en-IN" sz="3600" spc="-1" dirty="0" smtClean="0">
-                <a:latin typeface="Times New Roman"/>
-              </a:rPr>
-              <a:t>Market </a:t>
-            </a:r>
-            <a:r>
-              <a:rPr lang="en-IN" sz="3600" spc="-1" dirty="0" err="1" smtClean="0">
-                <a:latin typeface="Times New Roman"/>
-              </a:rPr>
-              <a:t>reacher</a:t>
-            </a:r>
-            <a:endParaRPr lang="en-IN" sz="3600" spc="-1" dirty="0" smtClean="0">
-              <a:latin typeface="Times New Roman"/>
-            </a:endParaRPr>
-          </a:p>
-          <a:p>
-            <a:r>
-              <a:rPr lang="en-IN" sz="3600" b="0" strike="noStrike" spc="-1" dirty="0" smtClean="0">
-                <a:latin typeface="Times New Roman"/>
-              </a:rPr>
-              <a:t>3</a:t>
-            </a:r>
-            <a:r>
               <a:rPr lang="en-IN" sz="3600" b="0" strike="noStrike" spc="-1" dirty="0">
                 <a:latin typeface="Times New Roman"/>
               </a:rPr>
-              <a:t>. </a:t>
-            </a:r>
-            <a:r>
-              <a:rPr lang="en-IN" sz="3600" spc="-1" dirty="0" smtClean="0">
+              <a:t>1.Business and </a:t>
+            </a:r>
+            <a:r>
+              <a:rPr lang="en-IN" sz="3600" b="0" strike="noStrike" spc="-1" dirty="0" err="1">
                 <a:latin typeface="Times New Roman"/>
               </a:rPr>
-              <a:t>Government and public sector</a:t>
+              <a:t>origanation</a:t>
             </a:r>
             <a:endParaRPr lang="en-IN" sz="3600" b="0" strike="noStrike" spc="-1" dirty="0">
               <a:latin typeface="Times New Roman"/>
@@ -8770,48 +8735,88 @@
           </a:p>
           <a:p>
             <a:r>
+              <a:rPr lang="en-IN" sz="3600" spc="-1" dirty="0">
+                <a:latin typeface="Times New Roman"/>
+              </a:rPr>
+              <a:t>2</a:t>
+            </a:r>
+            <a:r>
               <a:rPr lang="en-IN" sz="3600" b="0" strike="noStrike" spc="-1" dirty="0">
                 <a:latin typeface="Times New Roman"/>
               </a:rPr>
-              <a:t>4. </a:t>
-            </a:r>
-            <a:r>
-              <a:rPr lang="en-IN" sz="3600" spc="-1" dirty="0" err="1" smtClean="0">
+              <a:t>. </a:t>
+            </a:r>
+            <a:r>
+              <a:rPr lang="en-IN" sz="3600" spc="-1" dirty="0">
                 <a:latin typeface="Times New Roman"/>
               </a:rPr>
-              <a:t>Acadameic</a:t>
-            </a:r>
-            <a:r>
-              <a:rPr lang="en-IN" sz="3600" spc="-1" dirty="0" smtClean="0">
+              <a:t>Market </a:t>
+            </a:r>
+            <a:r>
+              <a:rPr lang="en-IN" sz="3600" spc="-1" dirty="0" err="1">
                 <a:latin typeface="Times New Roman"/>
               </a:rPr>
-              <a:t> </a:t>
-            </a:r>
-            <a:r>
-              <a:rPr lang="en-IN" sz="3600" spc="-1" dirty="0" err="1" smtClean="0">
-                <a:latin typeface="Times New Roman"/>
-              </a:rPr>
               <a:t>reacher</a:t>
             </a:r>
-            <a:endParaRPr lang="en-IN" sz="3600" spc="-1" dirty="0" smtClean="0">
+            <a:endParaRPr lang="en-IN" sz="3600" spc="-1" dirty="0">
               <a:latin typeface="Times New Roman"/>
             </a:endParaRPr>
           </a:p>
           <a:p>
             <a:r>
-              <a:rPr lang="en-IN" sz="3600" b="0" strike="noStrike" spc="-1" dirty="0" smtClean="0">
-                <a:latin typeface="Times New Roman"/>
-              </a:rPr>
-              <a:t>5</a:t>
-            </a:r>
-            <a:r>
               <a:rPr lang="en-IN" sz="3600" b="0" strike="noStrike" spc="-1" dirty="0">
                 <a:latin typeface="Times New Roman"/>
               </a:rPr>
-              <a:t>. </a:t>
-            </a:r>
-            <a:r>
-              <a:rPr lang="en-IN" sz="3600" spc="-1" dirty="0" smtClean="0">
+              <a:t>3. </a:t>
+            </a:r>
+            <a:r>
+              <a:rPr lang="en-IN" sz="3600" spc="-1" dirty="0">
+                <a:latin typeface="Times New Roman"/>
+              </a:rPr>
+              <a:t>Government and public sector</a:t>
+            </a:r>
+            <a:endParaRPr lang="en-IN" sz="3600" b="0" strike="noStrike" spc="-1" dirty="0">
+              <a:latin typeface="Times New Roman"/>
+            </a:endParaRPr>
+          </a:p>
+          <a:p>
+            <a:r>
+              <a:rPr lang="en-IN" sz="3600" b="0" strike="noStrike" spc="-1" dirty="0">
+                <a:latin typeface="Times New Roman"/>
+              </a:rPr>
+              <a:t>4. </a:t>
+            </a:r>
+            <a:r>
+              <a:rPr lang="en-IN" sz="3600" spc="-1" dirty="0" err="1">
+                <a:latin typeface="Times New Roman"/>
+              </a:rPr>
+              <a:t>Acadameic</a:t>
+            </a:r>
+            <a:r>
+              <a:rPr lang="en-IN" sz="3600" spc="-1" dirty="0">
+                <a:latin typeface="Times New Roman"/>
+              </a:rPr>
+              <a:t> </a:t>
+            </a:r>
+            <a:r>
+              <a:rPr lang="en-IN" sz="3600" spc="-1" dirty="0" err="1">
+                <a:latin typeface="Times New Roman"/>
+              </a:rPr>
+              <a:t>reacher</a:t>
+            </a:r>
+            <a:endParaRPr lang="en-IN" sz="3600" spc="-1" dirty="0">
+              <a:latin typeface="Times New Roman"/>
+            </a:endParaRPr>
+          </a:p>
+          <a:p>
+            <a:r>
+              <a:rPr lang="en-IN" sz="3600" b="0" strike="noStrike" spc="-1" dirty="0">
+                <a:latin typeface="Times New Roman"/>
+              </a:rPr>
+              <a:t>5. </a:t>
+            </a:r>
+            <a:r>
+              <a:rPr lang="en-IN" sz="3600" spc="-1" dirty="0">
                 <a:latin typeface="Times New Roman"/>
               </a:rPr>
               <a:t>Media and entertainment industry</a:t>
@@ -9453,14 +9458,6 @@
   <p:clrMapOvr>
     <a:masterClrMapping/>
   </p:clrMapOvr>
-  <mc:AlternateContent xmlns:mc="http://schemas.openxmlformats.org/markup-compatibility/2006" xmlns:p14="http://schemas.microsoft.com/office/powerpoint/2010/main">
-    <mc:Choice Requires="p14">
-      <p:transition spd="slow" p14:dur="2000"/>
-    </mc:Choice>
-    <mc:Fallback xmlns="">
-      <p:transition spd="slow"/>
-    </mc:Fallback>
-  </mc:AlternateContent>
 </p:sld>
 </file>
 
@@ -10062,7 +10059,7 @@
         </p:blipFill>
         <p:spPr>
           <a:xfrm rot="20850000">
-            <a:off x="319680" y="4655880"/>
+            <a:off x="10408660" y="4702336"/>
             <a:ext cx="1620000" cy="1951920"/>
           </a:xfrm>
           <a:prstGeom prst="rect">
@@ -10184,7 +10181,7 @@
         </p:nvSpPr>
         <p:spPr>
           <a:xfrm>
-            <a:off x="720000" y="1620000"/>
+            <a:off x="585000" y="1630980"/>
             <a:ext cx="9450000" cy="2814840"/>
           </a:xfrm>
           <a:prstGeom prst="rect">
@@ -10201,73 +10198,94 @@
           </a:bodyPr>
           <a:lstStyle/>
           <a:p>
+            <a:pPr algn="just"/>
             <a:r>
               <a:rPr lang="en-IN" sz="2800" b="1" strike="noStrike" spc="-1" dirty="0">
-                <a:latin typeface="Times New Roman"/>
+                <a:latin typeface="Times New Roman" panose="02020603050405020304" pitchFamily="18" charset="0"/>
+                <a:cs typeface="Times New Roman" panose="02020603050405020304" pitchFamily="18" charset="0"/>
               </a:rPr>
               <a:t>Solution: </a:t>
             </a:r>
             <a:endParaRPr lang="en-IN" sz="2800" b="0" strike="noStrike" spc="-1" dirty="0">
-              <a:latin typeface="Times New Roman"/>
+              <a:latin typeface="Times New Roman" panose="02020603050405020304" pitchFamily="18" charset="0"/>
+              <a:cs typeface="Times New Roman" panose="02020603050405020304" pitchFamily="18" charset="0"/>
             </a:endParaRPr>
           </a:p>
           <a:p>
-            <a:r>
-              <a:rPr lang="en-US" sz="2800" dirty="0" smtClean="0"/>
-              <a:t>           The </a:t>
-            </a:r>
-            <a:r>
-              <a:rPr lang="en-US" sz="2800" dirty="0"/>
-              <a:t>solution typically involves building a machine learning or deep learning model that can accurately classify the sentiment of text data into different categories such as positive, negative, or neutral</a:t>
-            </a:r>
-            <a:r>
-              <a:rPr lang="en-IN" sz="2800" b="0" strike="noStrike" spc="-1" dirty="0" smtClean="0">
-                <a:latin typeface="Times New Roman"/>
+            <a:pPr algn="just"/>
+            <a:r>
+              <a:rPr lang="en-US" sz="2800" dirty="0">
+                <a:latin typeface="Times New Roman" panose="02020603050405020304" pitchFamily="18" charset="0"/>
+                <a:cs typeface="Times New Roman" panose="02020603050405020304" pitchFamily="18" charset="0"/>
+              </a:rPr>
+              <a:t>           The solution typically involves building a machine learning or deep learning model that can accurately classify the sentiment of text data into different categories such as positive, negative, or neutral</a:t>
+            </a:r>
+            <a:r>
+              <a:rPr lang="en-IN" sz="2800" b="0" strike="noStrike" spc="-1" dirty="0">
+                <a:latin typeface="Times New Roman" panose="02020603050405020304" pitchFamily="18" charset="0"/>
+                <a:cs typeface="Times New Roman" panose="02020603050405020304" pitchFamily="18" charset="0"/>
               </a:rPr>
               <a:t>.</a:t>
             </a:r>
           </a:p>
           <a:p>
-            <a:r>
-              <a:rPr lang="en-US" sz="2800" b="1" dirty="0" smtClean="0"/>
-              <a:t> </a:t>
-            </a:r>
-            <a:r>
-              <a:rPr lang="en-US" sz="2800" b="1" dirty="0"/>
-              <a:t>Model Training</a:t>
-            </a:r>
-            <a:r>
-              <a:rPr lang="en-US" sz="2800" dirty="0"/>
+            <a:pPr algn="just"/>
+            <a:r>
+              <a:rPr lang="en-US" sz="2800" b="1" dirty="0">
+                <a:latin typeface="Times New Roman" panose="02020603050405020304" pitchFamily="18" charset="0"/>
+                <a:cs typeface="Times New Roman" panose="02020603050405020304" pitchFamily="18" charset="0"/>
+              </a:rPr>
+              <a:t> Model Training</a:t>
+            </a:r>
+            <a:r>
+              <a:rPr lang="en-US" sz="2800" dirty="0">
+                <a:latin typeface="Times New Roman" panose="02020603050405020304" pitchFamily="18" charset="0"/>
+                <a:cs typeface="Times New Roman" panose="02020603050405020304" pitchFamily="18" charset="0"/>
+              </a:rPr>
               <a:t>:</a:t>
             </a:r>
           </a:p>
           <a:p>
-            <a:r>
-              <a:rPr lang="en-US" sz="2800" dirty="0" smtClean="0"/>
-              <a:t>          Train </a:t>
-            </a:r>
-            <a:r>
-              <a:rPr lang="en-US" sz="2800" dirty="0"/>
-              <a:t>the selected model on the training data using an appropriate loss function and optimizer.</a:t>
-            </a:r>
-          </a:p>
-          <a:p>
-            <a:r>
-              <a:rPr lang="en-US" sz="2800" dirty="0"/>
+            <a:pPr algn="just"/>
+            <a:r>
+              <a:rPr lang="en-US" sz="2800" dirty="0">
+                <a:latin typeface="Times New Roman" panose="02020603050405020304" pitchFamily="18" charset="0"/>
+                <a:cs typeface="Times New Roman" panose="02020603050405020304" pitchFamily="18" charset="0"/>
+              </a:rPr>
+              <a:t>          Train the selected model on the training data using an appropriate loss function and optimizer.</a:t>
+            </a:r>
+          </a:p>
+          <a:p>
+            <a:pPr algn="just"/>
+            <a:r>
+              <a:rPr lang="en-US" sz="2800" dirty="0">
+                <a:latin typeface="Times New Roman" panose="02020603050405020304" pitchFamily="18" charset="0"/>
+                <a:cs typeface="Times New Roman" panose="02020603050405020304" pitchFamily="18" charset="0"/>
+              </a:rPr>
               <a:t>Tune </a:t>
             </a:r>
             <a:r>
-              <a:rPr lang="en-US" sz="2800" dirty="0" err="1"/>
+              <a:rPr lang="en-US" sz="2800" dirty="0" err="1">
+                <a:latin typeface="Times New Roman" panose="02020603050405020304" pitchFamily="18" charset="0"/>
+                <a:cs typeface="Times New Roman" panose="02020603050405020304" pitchFamily="18" charset="0"/>
+              </a:rPr>
               <a:t>hyperparameters</a:t>
             </a:r>
             <a:r>
-              <a:rPr lang="en-US" sz="2800" dirty="0"/>
+              <a:rPr lang="en-US" sz="2800" dirty="0">
+                <a:latin typeface="Times New Roman" panose="02020603050405020304" pitchFamily="18" charset="0"/>
+                <a:cs typeface="Times New Roman" panose="02020603050405020304" pitchFamily="18" charset="0"/>
+              </a:rPr>
               <a:t> using techniques such as grid search, random search, or Bayesian optimization.</a:t>
             </a:r>
           </a:p>
           <a:p>
-            <a:r>
-              <a:rPr lang="en-US" sz="2800" dirty="0"/>
+            <a:pPr algn="just"/>
+            <a:r>
+              <a:rPr lang="en-US" sz="2800" dirty="0">
+                <a:latin typeface="Times New Roman" panose="02020603050405020304" pitchFamily="18" charset="0"/>
+                <a:cs typeface="Times New Roman" panose="02020603050405020304" pitchFamily="18" charset="0"/>
+              </a:rPr>
               <a:t>Validate the model's performance on the validation set and adjust parameters as needed.</a:t>
             </a:r>
           </a:p>
@@ -10283,14 +10301,6 @@
   <p:clrMapOvr>
     <a:masterClrMapping/>
   </p:clrMapOvr>
-  <mc:AlternateContent xmlns:mc="http://schemas.openxmlformats.org/markup-compatibility/2006" xmlns:p14="http://schemas.microsoft.com/office/powerpoint/2010/main">
-    <mc:Choice Requires="p14">
-      <p:transition spd="slow" p14:dur="2000"/>
-    </mc:Choice>
-    <mc:Fallback xmlns="">
-      <p:transition spd="slow"/>
-    </mc:Fallback>
-  </mc:AlternateContent>
 </p:sld>
 </file>
 
@@ -11020,17 +11030,8 @@
               <a:rPr lang="en-IN" sz="3200" b="0" strike="noStrike" spc="-1" dirty="0">
                 <a:latin typeface="Times New Roman"/>
               </a:rPr>
-              <a:t>2. </a:t>
-            </a:r>
-            <a:r>
-              <a:rPr lang="en-IN" sz="3200" b="0" strike="noStrike" spc="-1" dirty="0" smtClean="0">
-                <a:latin typeface="Times New Roman"/>
-              </a:rPr>
-              <a:t>Easy to analysis</a:t>
-            </a:r>
-            <a:endParaRPr lang="en-IN" sz="3200" b="0" strike="noStrike" spc="-1" dirty="0">
-              <a:latin typeface="Times New Roman"/>
-            </a:endParaRPr>
+              <a:t>2. Easy to analysis</a:t>
+            </a:r>
           </a:p>
           <a:p>
             <a:r>
@@ -11050,13 +11051,13 @@
           </a:p>
           <a:p>
             <a:r>
-              <a:rPr lang="en-IN" sz="3200" b="0" strike="noStrike" spc="-1" dirty="0" smtClean="0">
+              <a:rPr lang="en-IN" sz="3200" b="0" strike="noStrike" spc="-1" dirty="0">
                 <a:latin typeface="Times New Roman"/>
               </a:rPr>
               <a:t>5. </a:t>
             </a:r>
             <a:r>
-              <a:rPr lang="en-US" sz="3200" dirty="0" smtClean="0"/>
+              <a:rPr lang="en-US" sz="3200" dirty="0"/>
               <a:t>implementation</a:t>
             </a:r>
             <a:endParaRPr lang="en-IN" sz="3200" b="0" strike="noStrike" spc="-1" dirty="0">
@@ -11070,14 +11071,6 @@
   <p:clrMapOvr>
     <a:masterClrMapping/>
   </p:clrMapOvr>
-  <mc:AlternateContent xmlns:mc="http://schemas.openxmlformats.org/markup-compatibility/2006" xmlns:p14="http://schemas.microsoft.com/office/powerpoint/2010/main">
-    <mc:Choice Requires="p14">
-      <p:transition spd="slow" p14:dur="2000"/>
-    </mc:Choice>
-    <mc:Fallback xmlns="">
-      <p:transition spd="slow"/>
-    </mc:Fallback>
-  </mc:AlternateContent>
 </p:sld>
 </file>
 
@@ -11870,8 +11863,8 @@
         </p:nvSpPr>
         <p:spPr>
           <a:xfrm>
-            <a:off x="752400" y="754905"/>
-            <a:ext cx="8442148" cy="4524315"/>
+            <a:off x="343308" y="1037880"/>
+            <a:ext cx="9371292" cy="6001643"/>
           </a:xfrm>
           <a:prstGeom prst="rect">
             <a:avLst/>
@@ -11883,64 +11876,96 @@
           </a:bodyPr>
           <a:lstStyle/>
           <a:p>
-            <a:r>
-              <a:rPr lang="en-US" b="1" dirty="0"/>
+            <a:pPr algn="just"/>
+            <a:r>
+              <a:rPr lang="en-US" sz="2400" b="1" dirty="0">
+                <a:latin typeface="Times New Roman" panose="02020603050405020304" pitchFamily="18" charset="0"/>
+                <a:cs typeface="Times New Roman" panose="02020603050405020304" pitchFamily="18" charset="0"/>
+              </a:rPr>
               <a:t>Recurrent Neural Networks (RNNs)</a:t>
             </a:r>
             <a:r>
-              <a:rPr lang="en-US" dirty="0"/>
+              <a:rPr lang="en-US" sz="2400" dirty="0">
+                <a:latin typeface="Times New Roman" panose="02020603050405020304" pitchFamily="18" charset="0"/>
+                <a:cs typeface="Times New Roman" panose="02020603050405020304" pitchFamily="18" charset="0"/>
+              </a:rPr>
               <a:t>:</a:t>
             </a:r>
           </a:p>
           <a:p>
-            <a:pPr lvl="1"/>
-            <a:r>
-              <a:rPr lang="en-US" dirty="0"/>
+            <a:pPr lvl="1" algn="just"/>
+            <a:r>
+              <a:rPr lang="en-US" sz="2400" dirty="0">
+                <a:latin typeface="Times New Roman" panose="02020603050405020304" pitchFamily="18" charset="0"/>
+                <a:cs typeface="Times New Roman" panose="02020603050405020304" pitchFamily="18" charset="0"/>
+              </a:rPr>
               <a:t>RNNs are a type of neural network architecture that can capture sequential information in text data.</a:t>
             </a:r>
           </a:p>
           <a:p>
-            <a:pPr lvl="1"/>
-            <a:r>
-              <a:rPr lang="en-US" dirty="0"/>
+            <a:pPr lvl="1" algn="just"/>
+            <a:r>
+              <a:rPr lang="en-US" sz="2400" dirty="0">
+                <a:latin typeface="Times New Roman" panose="02020603050405020304" pitchFamily="18" charset="0"/>
+                <a:cs typeface="Times New Roman" panose="02020603050405020304" pitchFamily="18" charset="0"/>
+              </a:rPr>
               <a:t>They process input sequences one token at a time and maintain an internal state that summarizes the information seen so far.</a:t>
             </a:r>
           </a:p>
           <a:p>
-            <a:pPr lvl="1"/>
-            <a:r>
-              <a:rPr lang="en-US" dirty="0"/>
+            <a:pPr lvl="1" algn="just"/>
+            <a:r>
+              <a:rPr lang="en-US" sz="2400" dirty="0">
+                <a:latin typeface="Times New Roman" panose="02020603050405020304" pitchFamily="18" charset="0"/>
+                <a:cs typeface="Times New Roman" panose="02020603050405020304" pitchFamily="18" charset="0"/>
+              </a:rPr>
               <a:t>RNN variants such as Long Short-Term Memory (LSTM) and Gated Recurrent Unit (GRU) are commonly used in sentiment analysis tasks due to their ability to handle variable-length sequences.</a:t>
             </a:r>
           </a:p>
           <a:p>
-            <a:r>
-              <a:rPr lang="en-US" b="1" dirty="0"/>
+            <a:pPr algn="just"/>
+            <a:r>
+              <a:rPr lang="en-US" sz="2400" b="1" dirty="0">
+                <a:latin typeface="Times New Roman" panose="02020603050405020304" pitchFamily="18" charset="0"/>
+                <a:cs typeface="Times New Roman" panose="02020603050405020304" pitchFamily="18" charset="0"/>
+              </a:rPr>
               <a:t>Convolutional Neural Networks (CNNs)</a:t>
             </a:r>
             <a:r>
-              <a:rPr lang="en-US" dirty="0"/>
+              <a:rPr lang="en-US" sz="2400" dirty="0">
+                <a:latin typeface="Times New Roman" panose="02020603050405020304" pitchFamily="18" charset="0"/>
+                <a:cs typeface="Times New Roman" panose="02020603050405020304" pitchFamily="18" charset="0"/>
+              </a:rPr>
               <a:t>:</a:t>
             </a:r>
           </a:p>
           <a:p>
-            <a:pPr lvl="1"/>
-            <a:r>
-              <a:rPr lang="en-US" dirty="0"/>
+            <a:pPr lvl="1" algn="just"/>
+            <a:r>
+              <a:rPr lang="en-US" sz="2400" dirty="0">
+                <a:latin typeface="Times New Roman" panose="02020603050405020304" pitchFamily="18" charset="0"/>
+                <a:cs typeface="Times New Roman" panose="02020603050405020304" pitchFamily="18" charset="0"/>
+              </a:rPr>
               <a:t>CNNs are primarily used for image processing tasks, but they can also be applied to text data by treating text as a one-dimensional sequence.</a:t>
             </a:r>
           </a:p>
           <a:p>
-            <a:pPr lvl="1"/>
-            <a:r>
-              <a:rPr lang="en-US" dirty="0"/>
+            <a:pPr lvl="1" algn="just"/>
+            <a:r>
+              <a:rPr lang="en-US" sz="2400" dirty="0">
+                <a:latin typeface="Times New Roman" panose="02020603050405020304" pitchFamily="18" charset="0"/>
+                <a:cs typeface="Times New Roman" panose="02020603050405020304" pitchFamily="18" charset="0"/>
+              </a:rPr>
               <a:t>In sentiment analysis, CNNs use 1D convolutional filters to extract local features from text sequences, followed by pooling layers to aggregate information.</a:t>
             </a:r>
           </a:p>
           <a:p>
-            <a:pPr lvl="1"/>
-            <a:r>
-              <a:rPr lang="en-US" dirty="0"/>
+            <a:pPr lvl="1" algn="just"/>
+            <a:r>
+              <a:rPr lang="en-US" sz="2400" dirty="0">
+                <a:latin typeface="Times New Roman" panose="02020603050405020304" pitchFamily="18" charset="0"/>
+                <a:cs typeface="Times New Roman" panose="02020603050405020304" pitchFamily="18" charset="0"/>
+              </a:rPr>
               <a:t>CNNs are particularly effective at capturing local patterns and dependencies in text data.</a:t>
             </a:r>
           </a:p>
@@ -11951,14 +11976,6 @@
   <p:clrMapOvr>
     <a:masterClrMapping/>
   </p:clrMapOvr>
-  <mc:AlternateContent xmlns:mc="http://schemas.openxmlformats.org/markup-compatibility/2006" xmlns:p14="http://schemas.microsoft.com/office/powerpoint/2010/main">
-    <mc:Choice Requires="p14">
-      <p:transition spd="slow" p14:dur="2000"/>
-    </mc:Choice>
-    <mc:Fallback xmlns="">
-      <p:transition spd="slow"/>
-    </mc:Fallback>
-  </mc:AlternateContent>
 </p:sld>
 </file>
 
@@ -12445,7 +12462,7 @@
   <a:extraClrSchemeLst/>
   <a:extLst>
     <a:ext uri="{05A4C25C-085E-4340-85A3-A5531E510DB2}">
-      <thm15:themeFamily xmlns="" xmlns:thm15="http://schemas.microsoft.com/office/thememl/2012/main" name="Office Theme" id="{62F939B6-93AF-4DB8-9C6B-D6C7DFDC589F}" vid="{4A3C46E8-61CC-4603-A589-7422A47A8E4A}"/>
+      <thm15:themeFamily xmlns:thm15="http://schemas.microsoft.com/office/thememl/2012/main" name="Office Theme" id="{62F939B6-93AF-4DB8-9C6B-D6C7DFDC589F}" vid="{4A3C46E8-61CC-4603-A589-7422A47A8E4A}"/>
     </a:ext>
   </a:extLst>
 </a:theme>
